--- a/task1_pcapng.pptx
+++ b/task1_pcapng.pptx
@@ -104,6 +104,11 @@
       </a:defRPr>
     </a:lvl9pPr>
   </p:defaultTextStyle>
+  <p:extLst>
+    <p:ext uri="{EFAFB233-063F-42B5-8137-9DF3F51BA10A}">
+      <p15:sldGuideLst xmlns:p15="http://schemas.microsoft.com/office/powerpoint/2012/main"/>
+    </p:ext>
+  </p:extLst>
 </p:presentation>
 </file>
 
@@ -238,7 +243,7 @@
           <a:p>
             <a:fld id="{D16AA633-F3CA-4472-97BE-AF501E1D2B31}" type="datetimeFigureOut">
               <a:rPr lang="en-NZ" smtClean="0"/>
-              <a:t>20/04/2017</a:t>
+              <a:t>21/04/2017</a:t>
             </a:fld>
             <a:endParaRPr lang="en-NZ"/>
           </a:p>
@@ -408,7 +413,7 @@
           <a:p>
             <a:fld id="{D16AA633-F3CA-4472-97BE-AF501E1D2B31}" type="datetimeFigureOut">
               <a:rPr lang="en-NZ" smtClean="0"/>
-              <a:t>20/04/2017</a:t>
+              <a:t>21/04/2017</a:t>
             </a:fld>
             <a:endParaRPr lang="en-NZ"/>
           </a:p>
@@ -588,7 +593,7 @@
           <a:p>
             <a:fld id="{D16AA633-F3CA-4472-97BE-AF501E1D2B31}" type="datetimeFigureOut">
               <a:rPr lang="en-NZ" smtClean="0"/>
-              <a:t>20/04/2017</a:t>
+              <a:t>21/04/2017</a:t>
             </a:fld>
             <a:endParaRPr lang="en-NZ"/>
           </a:p>
@@ -758,7 +763,7 @@
           <a:p>
             <a:fld id="{D16AA633-F3CA-4472-97BE-AF501E1D2B31}" type="datetimeFigureOut">
               <a:rPr lang="en-NZ" smtClean="0"/>
-              <a:t>20/04/2017</a:t>
+              <a:t>21/04/2017</a:t>
             </a:fld>
             <a:endParaRPr lang="en-NZ"/>
           </a:p>
@@ -1004,7 +1009,7 @@
           <a:p>
             <a:fld id="{D16AA633-F3CA-4472-97BE-AF501E1D2B31}" type="datetimeFigureOut">
               <a:rPr lang="en-NZ" smtClean="0"/>
-              <a:t>20/04/2017</a:t>
+              <a:t>21/04/2017</a:t>
             </a:fld>
             <a:endParaRPr lang="en-NZ"/>
           </a:p>
@@ -1236,7 +1241,7 @@
           <a:p>
             <a:fld id="{D16AA633-F3CA-4472-97BE-AF501E1D2B31}" type="datetimeFigureOut">
               <a:rPr lang="en-NZ" smtClean="0"/>
-              <a:t>20/04/2017</a:t>
+              <a:t>21/04/2017</a:t>
             </a:fld>
             <a:endParaRPr lang="en-NZ"/>
           </a:p>
@@ -1603,7 +1608,7 @@
           <a:p>
             <a:fld id="{D16AA633-F3CA-4472-97BE-AF501E1D2B31}" type="datetimeFigureOut">
               <a:rPr lang="en-NZ" smtClean="0"/>
-              <a:t>20/04/2017</a:t>
+              <a:t>21/04/2017</a:t>
             </a:fld>
             <a:endParaRPr lang="en-NZ"/>
           </a:p>
@@ -1721,7 +1726,7 @@
           <a:p>
             <a:fld id="{D16AA633-F3CA-4472-97BE-AF501E1D2B31}" type="datetimeFigureOut">
               <a:rPr lang="en-NZ" smtClean="0"/>
-              <a:t>20/04/2017</a:t>
+              <a:t>21/04/2017</a:t>
             </a:fld>
             <a:endParaRPr lang="en-NZ"/>
           </a:p>
@@ -1816,7 +1821,7 @@
           <a:p>
             <a:fld id="{D16AA633-F3CA-4472-97BE-AF501E1D2B31}" type="datetimeFigureOut">
               <a:rPr lang="en-NZ" smtClean="0"/>
-              <a:t>20/04/2017</a:t>
+              <a:t>21/04/2017</a:t>
             </a:fld>
             <a:endParaRPr lang="en-NZ"/>
           </a:p>
@@ -2093,7 +2098,7 @@
           <a:p>
             <a:fld id="{D16AA633-F3CA-4472-97BE-AF501E1D2B31}" type="datetimeFigureOut">
               <a:rPr lang="en-NZ" smtClean="0"/>
-              <a:t>20/04/2017</a:t>
+              <a:t>21/04/2017</a:t>
             </a:fld>
             <a:endParaRPr lang="en-NZ"/>
           </a:p>
@@ -2346,7 +2351,7 @@
           <a:p>
             <a:fld id="{D16AA633-F3CA-4472-97BE-AF501E1D2B31}" type="datetimeFigureOut">
               <a:rPr lang="en-NZ" smtClean="0"/>
-              <a:t>20/04/2017</a:t>
+              <a:t>21/04/2017</a:t>
             </a:fld>
             <a:endParaRPr lang="en-NZ"/>
           </a:p>
@@ -2559,7 +2564,7 @@
           <a:p>
             <a:fld id="{D16AA633-F3CA-4472-97BE-AF501E1D2B31}" type="datetimeFigureOut">
               <a:rPr lang="en-NZ" smtClean="0"/>
-              <a:t>20/04/2017</a:t>
+              <a:t>21/04/2017</a:t>
             </a:fld>
             <a:endParaRPr lang="en-NZ"/>
           </a:p>
@@ -3261,6 +3266,124 @@
           </a:extLst>
         </p:spPr>
       </p:pic>
+      <p:sp>
+        <p:nvSpPr>
+          <p:cNvPr id="2" name="TextBox 1"/>
+          <p:cNvSpPr txBox="1"/>
+          <p:nvPr/>
+        </p:nvSpPr>
+        <p:spPr>
+          <a:xfrm>
+            <a:off x="597159" y="6027576"/>
+            <a:ext cx="5980923" cy="400110"/>
+          </a:xfrm>
+          <a:prstGeom prst="rect">
+            <a:avLst/>
+          </a:prstGeom>
+          <a:noFill/>
+        </p:spPr>
+        <p:txBody>
+          <a:bodyPr wrap="square" rtlCol="0">
+            <a:spAutoFit/>
+          </a:bodyPr>
+          <a:lstStyle/>
+          <a:p>
+            <a:r>
+              <a:rPr lang="zh-TW" altLang="en-US" sz="2000" b="1" dirty="0"/>
+              <a:t>*</a:t>
+            </a:r>
+            <a:r>
+              <a:rPr lang="en-NZ" altLang="zh-TW" sz="2000" b="1" dirty="0"/>
+              <a:t>All icons are from www.iconexperience.com</a:t>
+            </a:r>
+            <a:endParaRPr lang="en-NZ" sz="2000" b="1" dirty="0"/>
+          </a:p>
+        </p:txBody>
+      </p:sp>
+      <p:pic>
+        <p:nvPicPr>
+          <p:cNvPr id="3" name="Picture 2" descr="Wlan Router Icon 128x128"/>
+          <p:cNvPicPr>
+            <a:picLocks noChangeAspect="1" noChangeArrowheads="1"/>
+          </p:cNvPicPr>
+          <p:nvPr/>
+        </p:nvPicPr>
+        <p:blipFill>
+          <a:blip r:embed="rId4">
+            <a:extLst>
+              <a:ext uri="{28A0092B-C50C-407E-A947-70E740481C1C}">
+                <a14:useLocalDpi xmlns:a14="http://schemas.microsoft.com/office/drawing/2010/main" val="0"/>
+              </a:ext>
+            </a:extLst>
+          </a:blip>
+          <a:srcRect/>
+          <a:stretch>
+            <a:fillRect/>
+          </a:stretch>
+        </p:blipFill>
+        <p:spPr bwMode="auto">
+          <a:xfrm>
+            <a:off x="4097693" y="4099145"/>
+            <a:ext cx="1751823" cy="1751823"/>
+          </a:xfrm>
+          <a:prstGeom prst="rect">
+            <a:avLst/>
+          </a:prstGeom>
+          <a:noFill/>
+          <a:extLst>
+            <a:ext uri="{909E8E84-426E-40DD-AFC4-6F175D3DCCD1}">
+              <a14:hiddenFill xmlns:a14="http://schemas.microsoft.com/office/drawing/2010/main">
+                <a:solidFill>
+                  <a:srgbClr val="FFFFFF"/>
+                </a:solidFill>
+              </a14:hiddenFill>
+            </a:ext>
+          </a:extLst>
+        </p:spPr>
+      </p:pic>
+      <p:sp>
+        <p:nvSpPr>
+          <p:cNvPr id="7" name="TextBox 6"/>
+          <p:cNvSpPr txBox="1"/>
+          <p:nvPr/>
+        </p:nvSpPr>
+        <p:spPr>
+          <a:xfrm>
+            <a:off x="6141487" y="4823927"/>
+            <a:ext cx="2314770" cy="646331"/>
+          </a:xfrm>
+          <a:prstGeom prst="rect">
+            <a:avLst/>
+          </a:prstGeom>
+          <a:noFill/>
+          <a:ln>
+            <a:solidFill>
+              <a:schemeClr val="tx1"/>
+            </a:solidFill>
+          </a:ln>
+        </p:spPr>
+        <p:txBody>
+          <a:bodyPr wrap="square" rtlCol="0">
+            <a:spAutoFit/>
+          </a:bodyPr>
+          <a:lstStyle/>
+          <a:p>
+            <a:r>
+              <a:rPr lang="en-NZ" dirty="0"/>
+              <a:t>Router</a:t>
+            </a:r>
+            <a:r>
+              <a:rPr lang="zh-TW" altLang="en-US" dirty="0"/>
+              <a:t> </a:t>
+            </a:r>
+            <a:r>
+              <a:rPr lang="en-NZ" altLang="zh-TW" dirty="0"/>
+              <a:t>as mentioned in the question</a:t>
+            </a:r>
+            <a:endParaRPr lang="en-NZ" dirty="0"/>
+          </a:p>
+        </p:txBody>
+      </p:sp>
     </p:spTree>
     <p:extLst>
       <p:ext uri="{BB962C8B-B14F-4D97-AF65-F5344CB8AC3E}">

--- a/task1_pcapng.pptx
+++ b/task1_pcapng.pptx
@@ -243,7 +243,7 @@
           <a:p>
             <a:fld id="{D16AA633-F3CA-4472-97BE-AF501E1D2B31}" type="datetimeFigureOut">
               <a:rPr lang="en-NZ" smtClean="0"/>
-              <a:t>21/04/2017</a:t>
+              <a:t>23/04/2017</a:t>
             </a:fld>
             <a:endParaRPr lang="en-NZ"/>
           </a:p>
@@ -413,7 +413,7 @@
           <a:p>
             <a:fld id="{D16AA633-F3CA-4472-97BE-AF501E1D2B31}" type="datetimeFigureOut">
               <a:rPr lang="en-NZ" smtClean="0"/>
-              <a:t>21/04/2017</a:t>
+              <a:t>23/04/2017</a:t>
             </a:fld>
             <a:endParaRPr lang="en-NZ"/>
           </a:p>
@@ -593,7 +593,7 @@
           <a:p>
             <a:fld id="{D16AA633-F3CA-4472-97BE-AF501E1D2B31}" type="datetimeFigureOut">
               <a:rPr lang="en-NZ" smtClean="0"/>
-              <a:t>21/04/2017</a:t>
+              <a:t>23/04/2017</a:t>
             </a:fld>
             <a:endParaRPr lang="en-NZ"/>
           </a:p>
@@ -763,7 +763,7 @@
           <a:p>
             <a:fld id="{D16AA633-F3CA-4472-97BE-AF501E1D2B31}" type="datetimeFigureOut">
               <a:rPr lang="en-NZ" smtClean="0"/>
-              <a:t>21/04/2017</a:t>
+              <a:t>23/04/2017</a:t>
             </a:fld>
             <a:endParaRPr lang="en-NZ"/>
           </a:p>
@@ -1009,7 +1009,7 @@
           <a:p>
             <a:fld id="{D16AA633-F3CA-4472-97BE-AF501E1D2B31}" type="datetimeFigureOut">
               <a:rPr lang="en-NZ" smtClean="0"/>
-              <a:t>21/04/2017</a:t>
+              <a:t>23/04/2017</a:t>
             </a:fld>
             <a:endParaRPr lang="en-NZ"/>
           </a:p>
@@ -1241,7 +1241,7 @@
           <a:p>
             <a:fld id="{D16AA633-F3CA-4472-97BE-AF501E1D2B31}" type="datetimeFigureOut">
               <a:rPr lang="en-NZ" smtClean="0"/>
-              <a:t>21/04/2017</a:t>
+              <a:t>23/04/2017</a:t>
             </a:fld>
             <a:endParaRPr lang="en-NZ"/>
           </a:p>
@@ -1608,7 +1608,7 @@
           <a:p>
             <a:fld id="{D16AA633-F3CA-4472-97BE-AF501E1D2B31}" type="datetimeFigureOut">
               <a:rPr lang="en-NZ" smtClean="0"/>
-              <a:t>21/04/2017</a:t>
+              <a:t>23/04/2017</a:t>
             </a:fld>
             <a:endParaRPr lang="en-NZ"/>
           </a:p>
@@ -1726,7 +1726,7 @@
           <a:p>
             <a:fld id="{D16AA633-F3CA-4472-97BE-AF501E1D2B31}" type="datetimeFigureOut">
               <a:rPr lang="en-NZ" smtClean="0"/>
-              <a:t>21/04/2017</a:t>
+              <a:t>23/04/2017</a:t>
             </a:fld>
             <a:endParaRPr lang="en-NZ"/>
           </a:p>
@@ -1821,7 +1821,7 @@
           <a:p>
             <a:fld id="{D16AA633-F3CA-4472-97BE-AF501E1D2B31}" type="datetimeFigureOut">
               <a:rPr lang="en-NZ" smtClean="0"/>
-              <a:t>21/04/2017</a:t>
+              <a:t>23/04/2017</a:t>
             </a:fld>
             <a:endParaRPr lang="en-NZ"/>
           </a:p>
@@ -2098,7 +2098,7 @@
           <a:p>
             <a:fld id="{D16AA633-F3CA-4472-97BE-AF501E1D2B31}" type="datetimeFigureOut">
               <a:rPr lang="en-NZ" smtClean="0"/>
-              <a:t>21/04/2017</a:t>
+              <a:t>23/04/2017</a:t>
             </a:fld>
             <a:endParaRPr lang="en-NZ"/>
           </a:p>
@@ -2351,7 +2351,7 @@
           <a:p>
             <a:fld id="{D16AA633-F3CA-4472-97BE-AF501E1D2B31}" type="datetimeFigureOut">
               <a:rPr lang="en-NZ" smtClean="0"/>
-              <a:t>21/04/2017</a:t>
+              <a:t>23/04/2017</a:t>
             </a:fld>
             <a:endParaRPr lang="en-NZ"/>
           </a:p>
@@ -2564,7 +2564,7 @@
           <a:p>
             <a:fld id="{D16AA633-F3CA-4472-97BE-AF501E1D2B31}" type="datetimeFigureOut">
               <a:rPr lang="en-NZ" smtClean="0"/>
-              <a:t>21/04/2017</a:t>
+              <a:t>23/04/2017</a:t>
             </a:fld>
             <a:endParaRPr lang="en-NZ"/>
           </a:p>
@@ -3099,7 +3099,7 @@
         </p:nvSpPr>
         <p:spPr>
           <a:xfrm>
-            <a:off x="265146" y="251929"/>
+            <a:off x="265145" y="1705664"/>
             <a:ext cx="2491273" cy="1200329"/>
           </a:xfrm>
           <a:prstGeom prst="rect">
@@ -3166,7 +3166,7 @@
         </p:blipFill>
         <p:spPr bwMode="auto">
           <a:xfrm>
-            <a:off x="265146" y="1906536"/>
+            <a:off x="502782" y="2959056"/>
             <a:ext cx="2016000" cy="2016000"/>
           </a:xfrm>
           <a:prstGeom prst="rect">
@@ -3380,6 +3380,55 @@
               <a:rPr lang="en-NZ" altLang="zh-TW" dirty="0"/>
               <a:t>as mentioned in the question</a:t>
             </a:r>
+            <a:endParaRPr lang="en-NZ" dirty="0"/>
+          </a:p>
+        </p:txBody>
+      </p:sp>
+      <p:sp>
+        <p:nvSpPr>
+          <p:cNvPr id="9" name="TextBox 8"/>
+          <p:cNvSpPr txBox="1"/>
+          <p:nvPr/>
+        </p:nvSpPr>
+        <p:spPr>
+          <a:xfrm>
+            <a:off x="391886" y="152210"/>
+            <a:ext cx="3195734" cy="1200329"/>
+          </a:xfrm>
+          <a:prstGeom prst="rect">
+            <a:avLst/>
+          </a:prstGeom>
+          <a:noFill/>
+          <a:ln>
+            <a:solidFill>
+              <a:schemeClr val="tx1"/>
+            </a:solidFill>
+          </a:ln>
+        </p:spPr>
+        <p:txBody>
+          <a:bodyPr wrap="square" rtlCol="0">
+            <a:spAutoFit/>
+          </a:bodyPr>
+          <a:lstStyle/>
+          <a:p>
+            <a:r>
+              <a:rPr lang="en-NZ" dirty="0"/>
+              <a:t>SOFTENG 364 Assignment 1</a:t>
+            </a:r>
+          </a:p>
+          <a:p>
+            <a:r>
+              <a:rPr lang="en-NZ" dirty="0"/>
+              <a:t>840454023, elee353</a:t>
+            </a:r>
+          </a:p>
+          <a:p>
+            <a:r>
+              <a:rPr lang="en-NZ" dirty="0"/>
+              <a:t>Task 1.</a:t>
+            </a:r>
+          </a:p>
+          <a:p>
             <a:endParaRPr lang="en-NZ" dirty="0"/>
           </a:p>
         </p:txBody>

--- a/task1_pcapng.pptx
+++ b/task1_pcapng.pptx
@@ -243,7 +243,7 @@
           <a:p>
             <a:fld id="{D16AA633-F3CA-4472-97BE-AF501E1D2B31}" type="datetimeFigureOut">
               <a:rPr lang="en-NZ" smtClean="0"/>
-              <a:t>23/04/2017</a:t>
+              <a:t>26/04/2017</a:t>
             </a:fld>
             <a:endParaRPr lang="en-NZ"/>
           </a:p>
@@ -413,7 +413,7 @@
           <a:p>
             <a:fld id="{D16AA633-F3CA-4472-97BE-AF501E1D2B31}" type="datetimeFigureOut">
               <a:rPr lang="en-NZ" smtClean="0"/>
-              <a:t>23/04/2017</a:t>
+              <a:t>26/04/2017</a:t>
             </a:fld>
             <a:endParaRPr lang="en-NZ"/>
           </a:p>
@@ -593,7 +593,7 @@
           <a:p>
             <a:fld id="{D16AA633-F3CA-4472-97BE-AF501E1D2B31}" type="datetimeFigureOut">
               <a:rPr lang="en-NZ" smtClean="0"/>
-              <a:t>23/04/2017</a:t>
+              <a:t>26/04/2017</a:t>
             </a:fld>
             <a:endParaRPr lang="en-NZ"/>
           </a:p>
@@ -763,7 +763,7 @@
           <a:p>
             <a:fld id="{D16AA633-F3CA-4472-97BE-AF501E1D2B31}" type="datetimeFigureOut">
               <a:rPr lang="en-NZ" smtClean="0"/>
-              <a:t>23/04/2017</a:t>
+              <a:t>26/04/2017</a:t>
             </a:fld>
             <a:endParaRPr lang="en-NZ"/>
           </a:p>
@@ -1009,7 +1009,7 @@
           <a:p>
             <a:fld id="{D16AA633-F3CA-4472-97BE-AF501E1D2B31}" type="datetimeFigureOut">
               <a:rPr lang="en-NZ" smtClean="0"/>
-              <a:t>23/04/2017</a:t>
+              <a:t>26/04/2017</a:t>
             </a:fld>
             <a:endParaRPr lang="en-NZ"/>
           </a:p>
@@ -1241,7 +1241,7 @@
           <a:p>
             <a:fld id="{D16AA633-F3CA-4472-97BE-AF501E1D2B31}" type="datetimeFigureOut">
               <a:rPr lang="en-NZ" smtClean="0"/>
-              <a:t>23/04/2017</a:t>
+              <a:t>26/04/2017</a:t>
             </a:fld>
             <a:endParaRPr lang="en-NZ"/>
           </a:p>
@@ -1608,7 +1608,7 @@
           <a:p>
             <a:fld id="{D16AA633-F3CA-4472-97BE-AF501E1D2B31}" type="datetimeFigureOut">
               <a:rPr lang="en-NZ" smtClean="0"/>
-              <a:t>23/04/2017</a:t>
+              <a:t>26/04/2017</a:t>
             </a:fld>
             <a:endParaRPr lang="en-NZ"/>
           </a:p>
@@ -1726,7 +1726,7 @@
           <a:p>
             <a:fld id="{D16AA633-F3CA-4472-97BE-AF501E1D2B31}" type="datetimeFigureOut">
               <a:rPr lang="en-NZ" smtClean="0"/>
-              <a:t>23/04/2017</a:t>
+              <a:t>26/04/2017</a:t>
             </a:fld>
             <a:endParaRPr lang="en-NZ"/>
           </a:p>
@@ -1821,7 +1821,7 @@
           <a:p>
             <a:fld id="{D16AA633-F3CA-4472-97BE-AF501E1D2B31}" type="datetimeFigureOut">
               <a:rPr lang="en-NZ" smtClean="0"/>
-              <a:t>23/04/2017</a:t>
+              <a:t>26/04/2017</a:t>
             </a:fld>
             <a:endParaRPr lang="en-NZ"/>
           </a:p>
@@ -2098,7 +2098,7 @@
           <a:p>
             <a:fld id="{D16AA633-F3CA-4472-97BE-AF501E1D2B31}" type="datetimeFigureOut">
               <a:rPr lang="en-NZ" smtClean="0"/>
-              <a:t>23/04/2017</a:t>
+              <a:t>26/04/2017</a:t>
             </a:fld>
             <a:endParaRPr lang="en-NZ"/>
           </a:p>
@@ -2351,7 +2351,7 @@
           <a:p>
             <a:fld id="{D16AA633-F3CA-4472-97BE-AF501E1D2B31}" type="datetimeFigureOut">
               <a:rPr lang="en-NZ" smtClean="0"/>
-              <a:t>23/04/2017</a:t>
+              <a:t>26/04/2017</a:t>
             </a:fld>
             <a:endParaRPr lang="en-NZ"/>
           </a:p>
@@ -2564,7 +2564,7 @@
           <a:p>
             <a:fld id="{D16AA633-F3CA-4472-97BE-AF501E1D2B31}" type="datetimeFigureOut">
               <a:rPr lang="en-NZ" smtClean="0"/>
-              <a:t>23/04/2017</a:t>
+              <a:t>26/04/2017</a:t>
             </a:fld>
             <a:endParaRPr lang="en-NZ"/>
           </a:p>
@@ -3086,7 +3086,7 @@
           <a:p>
             <a:r>
               <a:rPr lang="en-NZ" dirty="0"/>
-              <a:t>(Client)</a:t>
+              <a:t>(Router)</a:t>
             </a:r>
           </a:p>
         </p:txBody>
@@ -3225,9 +3225,43 @@
           </a:extLst>
         </p:spPr>
       </p:pic>
+      <p:sp>
+        <p:nvSpPr>
+          <p:cNvPr id="2" name="TextBox 1"/>
+          <p:cNvSpPr txBox="1"/>
+          <p:nvPr/>
+        </p:nvSpPr>
+        <p:spPr>
+          <a:xfrm>
+            <a:off x="597159" y="6027576"/>
+            <a:ext cx="5980923" cy="400110"/>
+          </a:xfrm>
+          <a:prstGeom prst="rect">
+            <a:avLst/>
+          </a:prstGeom>
+          <a:noFill/>
+        </p:spPr>
+        <p:txBody>
+          <a:bodyPr wrap="square" rtlCol="0">
+            <a:spAutoFit/>
+          </a:bodyPr>
+          <a:lstStyle/>
+          <a:p>
+            <a:r>
+              <a:rPr lang="zh-TW" altLang="en-US" sz="2000" b="1" dirty="0"/>
+              <a:t>*</a:t>
+            </a:r>
+            <a:r>
+              <a:rPr lang="en-NZ" altLang="zh-TW" sz="2000" b="1" dirty="0"/>
+              <a:t>All icons are from www.iconexperience.com</a:t>
+            </a:r>
+            <a:endParaRPr lang="en-NZ" sz="2000" b="1" dirty="0"/>
+          </a:p>
+        </p:txBody>
+      </p:sp>
       <p:pic>
         <p:nvPicPr>
-          <p:cNvPr id="1028" name="Picture 4" descr="Server Network Icon 256x256"/>
+          <p:cNvPr id="3" name="Picture 2" descr="Wlan Router Icon 128x128"/>
           <p:cNvPicPr>
             <a:picLocks noChangeAspect="1" noChangeArrowheads="1"/>
           </p:cNvPicPr>
@@ -3248,82 +3282,7 @@
         </p:blipFill>
         <p:spPr bwMode="auto">
           <a:xfrm>
-            <a:off x="10001828" y="2332547"/>
-            <a:ext cx="2016000" cy="2016000"/>
-          </a:xfrm>
-          <a:prstGeom prst="rect">
-            <a:avLst/>
-          </a:prstGeom>
-          <a:noFill/>
-          <a:extLst>
-            <a:ext uri="{909E8E84-426E-40DD-AFC4-6F175D3DCCD1}">
-              <a14:hiddenFill xmlns:a14="http://schemas.microsoft.com/office/drawing/2010/main">
-                <a:solidFill>
-                  <a:srgbClr val="FFFFFF"/>
-                </a:solidFill>
-              </a14:hiddenFill>
-            </a:ext>
-          </a:extLst>
-        </p:spPr>
-      </p:pic>
-      <p:sp>
-        <p:nvSpPr>
-          <p:cNvPr id="2" name="TextBox 1"/>
-          <p:cNvSpPr txBox="1"/>
-          <p:nvPr/>
-        </p:nvSpPr>
-        <p:spPr>
-          <a:xfrm>
-            <a:off x="597159" y="6027576"/>
-            <a:ext cx="5980923" cy="400110"/>
-          </a:xfrm>
-          <a:prstGeom prst="rect">
-            <a:avLst/>
-          </a:prstGeom>
-          <a:noFill/>
-        </p:spPr>
-        <p:txBody>
-          <a:bodyPr wrap="square" rtlCol="0">
-            <a:spAutoFit/>
-          </a:bodyPr>
-          <a:lstStyle/>
-          <a:p>
-            <a:r>
-              <a:rPr lang="zh-TW" altLang="en-US" sz="2000" b="1" dirty="0"/>
-              <a:t>*</a:t>
-            </a:r>
-            <a:r>
-              <a:rPr lang="en-NZ" altLang="zh-TW" sz="2000" b="1" dirty="0"/>
-              <a:t>All icons are from www.iconexperience.com</a:t>
-            </a:r>
-            <a:endParaRPr lang="en-NZ" sz="2000" b="1" dirty="0"/>
-          </a:p>
-        </p:txBody>
-      </p:sp>
-      <p:pic>
-        <p:nvPicPr>
-          <p:cNvPr id="3" name="Picture 2" descr="Wlan Router Icon 128x128"/>
-          <p:cNvPicPr>
-            <a:picLocks noChangeAspect="1" noChangeArrowheads="1"/>
-          </p:cNvPicPr>
-          <p:nvPr/>
-        </p:nvPicPr>
-        <p:blipFill>
-          <a:blip r:embed="rId4">
-            <a:extLst>
-              <a:ext uri="{28A0092B-C50C-407E-A947-70E740481C1C}">
-                <a14:useLocalDpi xmlns:a14="http://schemas.microsoft.com/office/drawing/2010/main" val="0"/>
-              </a:ext>
-            </a:extLst>
-          </a:blip>
-          <a:srcRect/>
-          <a:stretch>
-            <a:fillRect/>
-          </a:stretch>
-        </p:blipFill>
-        <p:spPr bwMode="auto">
-          <a:xfrm>
-            <a:off x="4097693" y="4099145"/>
+            <a:off x="10078616" y="2547151"/>
             <a:ext cx="1751823" cy="1751823"/>
           </a:xfrm>
           <a:prstGeom prst="rect">
@@ -3341,49 +3300,6 @@
           </a:extLst>
         </p:spPr>
       </p:pic>
-      <p:sp>
-        <p:nvSpPr>
-          <p:cNvPr id="7" name="TextBox 6"/>
-          <p:cNvSpPr txBox="1"/>
-          <p:nvPr/>
-        </p:nvSpPr>
-        <p:spPr>
-          <a:xfrm>
-            <a:off x="6141487" y="4823927"/>
-            <a:ext cx="2314770" cy="646331"/>
-          </a:xfrm>
-          <a:prstGeom prst="rect">
-            <a:avLst/>
-          </a:prstGeom>
-          <a:noFill/>
-          <a:ln>
-            <a:solidFill>
-              <a:schemeClr val="tx1"/>
-            </a:solidFill>
-          </a:ln>
-        </p:spPr>
-        <p:txBody>
-          <a:bodyPr wrap="square" rtlCol="0">
-            <a:spAutoFit/>
-          </a:bodyPr>
-          <a:lstStyle/>
-          <a:p>
-            <a:r>
-              <a:rPr lang="en-NZ" dirty="0"/>
-              <a:t>Router</a:t>
-            </a:r>
-            <a:r>
-              <a:rPr lang="zh-TW" altLang="en-US" dirty="0"/>
-              <a:t> </a:t>
-            </a:r>
-            <a:r>
-              <a:rPr lang="en-NZ" altLang="zh-TW" dirty="0"/>
-              <a:t>as mentioned in the question</a:t>
-            </a:r>
-            <a:endParaRPr lang="en-NZ" dirty="0"/>
-          </a:p>
-        </p:txBody>
-      </p:sp>
       <p:sp>
         <p:nvSpPr>
           <p:cNvPr id="9" name="TextBox 8"/>

--- a/task1_pcapng.pptx
+++ b/task1_pcapng.pptx
@@ -243,7 +243,7 @@
           <a:p>
             <a:fld id="{D16AA633-F3CA-4472-97BE-AF501E1D2B31}" type="datetimeFigureOut">
               <a:rPr lang="en-NZ" smtClean="0"/>
-              <a:t>26/04/2017</a:t>
+              <a:t>27/04/2017</a:t>
             </a:fld>
             <a:endParaRPr lang="en-NZ"/>
           </a:p>
@@ -413,7 +413,7 @@
           <a:p>
             <a:fld id="{D16AA633-F3CA-4472-97BE-AF501E1D2B31}" type="datetimeFigureOut">
               <a:rPr lang="en-NZ" smtClean="0"/>
-              <a:t>26/04/2017</a:t>
+              <a:t>27/04/2017</a:t>
             </a:fld>
             <a:endParaRPr lang="en-NZ"/>
           </a:p>
@@ -593,7 +593,7 @@
           <a:p>
             <a:fld id="{D16AA633-F3CA-4472-97BE-AF501E1D2B31}" type="datetimeFigureOut">
               <a:rPr lang="en-NZ" smtClean="0"/>
-              <a:t>26/04/2017</a:t>
+              <a:t>27/04/2017</a:t>
             </a:fld>
             <a:endParaRPr lang="en-NZ"/>
           </a:p>
@@ -763,7 +763,7 @@
           <a:p>
             <a:fld id="{D16AA633-F3CA-4472-97BE-AF501E1D2B31}" type="datetimeFigureOut">
               <a:rPr lang="en-NZ" smtClean="0"/>
-              <a:t>26/04/2017</a:t>
+              <a:t>27/04/2017</a:t>
             </a:fld>
             <a:endParaRPr lang="en-NZ"/>
           </a:p>
@@ -1009,7 +1009,7 @@
           <a:p>
             <a:fld id="{D16AA633-F3CA-4472-97BE-AF501E1D2B31}" type="datetimeFigureOut">
               <a:rPr lang="en-NZ" smtClean="0"/>
-              <a:t>26/04/2017</a:t>
+              <a:t>27/04/2017</a:t>
             </a:fld>
             <a:endParaRPr lang="en-NZ"/>
           </a:p>
@@ -1241,7 +1241,7 @@
           <a:p>
             <a:fld id="{D16AA633-F3CA-4472-97BE-AF501E1D2B31}" type="datetimeFigureOut">
               <a:rPr lang="en-NZ" smtClean="0"/>
-              <a:t>26/04/2017</a:t>
+              <a:t>27/04/2017</a:t>
             </a:fld>
             <a:endParaRPr lang="en-NZ"/>
           </a:p>
@@ -1608,7 +1608,7 @@
           <a:p>
             <a:fld id="{D16AA633-F3CA-4472-97BE-AF501E1D2B31}" type="datetimeFigureOut">
               <a:rPr lang="en-NZ" smtClean="0"/>
-              <a:t>26/04/2017</a:t>
+              <a:t>27/04/2017</a:t>
             </a:fld>
             <a:endParaRPr lang="en-NZ"/>
           </a:p>
@@ -1726,7 +1726,7 @@
           <a:p>
             <a:fld id="{D16AA633-F3CA-4472-97BE-AF501E1D2B31}" type="datetimeFigureOut">
               <a:rPr lang="en-NZ" smtClean="0"/>
-              <a:t>26/04/2017</a:t>
+              <a:t>27/04/2017</a:t>
             </a:fld>
             <a:endParaRPr lang="en-NZ"/>
           </a:p>
@@ -1821,7 +1821,7 @@
           <a:p>
             <a:fld id="{D16AA633-F3CA-4472-97BE-AF501E1D2B31}" type="datetimeFigureOut">
               <a:rPr lang="en-NZ" smtClean="0"/>
-              <a:t>26/04/2017</a:t>
+              <a:t>27/04/2017</a:t>
             </a:fld>
             <a:endParaRPr lang="en-NZ"/>
           </a:p>
@@ -2098,7 +2098,7 @@
           <a:p>
             <a:fld id="{D16AA633-F3CA-4472-97BE-AF501E1D2B31}" type="datetimeFigureOut">
               <a:rPr lang="en-NZ" smtClean="0"/>
-              <a:t>26/04/2017</a:t>
+              <a:t>27/04/2017</a:t>
             </a:fld>
             <a:endParaRPr lang="en-NZ"/>
           </a:p>
@@ -2351,7 +2351,7 @@
           <a:p>
             <a:fld id="{D16AA633-F3CA-4472-97BE-AF501E1D2B31}" type="datetimeFigureOut">
               <a:rPr lang="en-NZ" smtClean="0"/>
-              <a:t>26/04/2017</a:t>
+              <a:t>27/04/2017</a:t>
             </a:fld>
             <a:endParaRPr lang="en-NZ"/>
           </a:p>
@@ -2564,7 +2564,7 @@
           <a:p>
             <a:fld id="{D16AA633-F3CA-4472-97BE-AF501E1D2B31}" type="datetimeFigureOut">
               <a:rPr lang="en-NZ" smtClean="0"/>
-              <a:t>26/04/2017</a:t>
+              <a:t>27/04/2017</a:t>
             </a:fld>
             <a:endParaRPr lang="en-NZ"/>
           </a:p>
@@ -2977,7 +2977,7 @@
         </p:nvSpPr>
         <p:spPr>
           <a:xfrm>
-            <a:off x="4561892" y="152210"/>
+            <a:off x="223156" y="3327309"/>
             <a:ext cx="2575249" cy="1200329"/>
           </a:xfrm>
           <a:prstGeom prst="rect">
@@ -3029,8 +3029,8 @@
         </p:nvSpPr>
         <p:spPr>
           <a:xfrm>
-            <a:off x="9321281" y="152210"/>
-            <a:ext cx="2696547" cy="2031325"/>
+            <a:off x="4806042" y="164016"/>
+            <a:ext cx="2696547" cy="1477328"/>
           </a:xfrm>
           <a:prstGeom prst="rect">
             <a:avLst/>
@@ -3068,19 +3068,7 @@
           <a:p>
             <a:r>
               <a:rPr lang="en-NZ" dirty="0"/>
-              <a:t>2016.168.252.157</a:t>
-            </a:r>
-          </a:p>
-          <a:p>
-            <a:r>
-              <a:rPr lang="en-NZ" dirty="0"/>
-              <a:t>199.59.150.9</a:t>
-            </a:r>
-          </a:p>
-          <a:p>
-            <a:r>
-              <a:rPr lang="en-NZ" dirty="0"/>
-              <a:t>107.21.109.41</a:t>
+              <a:t>24.6.168.1</a:t>
             </a:r>
           </a:p>
           <a:p>
@@ -3099,7 +3087,7 @@
         </p:nvSpPr>
         <p:spPr>
           <a:xfrm>
-            <a:off x="265145" y="1705664"/>
+            <a:off x="265145" y="1862358"/>
             <a:ext cx="2491273" cy="1200329"/>
           </a:xfrm>
           <a:prstGeom prst="rect">
@@ -3166,8 +3154,8 @@
         </p:blipFill>
         <p:spPr bwMode="auto">
           <a:xfrm>
-            <a:off x="502782" y="2959056"/>
-            <a:ext cx="2016000" cy="2016000"/>
+            <a:off x="2840394" y="1862358"/>
+            <a:ext cx="900000" cy="900000"/>
           </a:xfrm>
           <a:prstGeom prst="rect">
             <a:avLst/>
@@ -3207,8 +3195,8 @@
         </p:blipFill>
         <p:spPr bwMode="auto">
           <a:xfrm>
-            <a:off x="5133487" y="1539151"/>
-            <a:ext cx="2016000" cy="2016000"/>
+            <a:off x="2936343" y="3327309"/>
+            <a:ext cx="900000" cy="900000"/>
           </a:xfrm>
           <a:prstGeom prst="rect">
             <a:avLst/>
@@ -3233,8 +3221,8 @@
         </p:nvSpPr>
         <p:spPr>
           <a:xfrm>
-            <a:off x="597159" y="6027576"/>
-            <a:ext cx="5980923" cy="400110"/>
+            <a:off x="167174" y="5534561"/>
+            <a:ext cx="11663265" cy="1323439"/>
           </a:xfrm>
           <a:prstGeom prst="rect">
             <a:avLst/>
@@ -3253,22 +3241,123 @@
             </a:r>
             <a:r>
               <a:rPr lang="en-NZ" altLang="zh-TW" sz="2000" b="1" dirty="0"/>
-              <a:t>All icons are from www.iconexperience.com</a:t>
-            </a:r>
-            <a:endParaRPr lang="en-NZ" sz="2000" b="1" dirty="0"/>
+              <a:t>All icons are from </a:t>
+            </a:r>
+            <a:r>
+              <a:rPr lang="en-NZ" altLang="zh-TW" sz="2000" b="1" dirty="0">
+                <a:hlinkClick r:id="rId3"/>
+              </a:rPr>
+              <a:t>www.iconexperience.com</a:t>
+            </a:r>
+            <a:endParaRPr lang="en-NZ" altLang="zh-TW" sz="2000" b="1" dirty="0"/>
+          </a:p>
+          <a:p>
+            <a:r>
+              <a:rPr lang="en-NZ" sz="2000" b="1" dirty="0"/>
+              <a:t>And http://ptgmedia.pearsoncmg.com/imprint_downloads/informit/learninglabs/9780134213736/graphics/31fig03.jpg</a:t>
+            </a:r>
+          </a:p>
+        </p:txBody>
+      </p:sp>
+      <p:sp>
+        <p:nvSpPr>
+          <p:cNvPr id="9" name="TextBox 8"/>
+          <p:cNvSpPr txBox="1"/>
+          <p:nvPr/>
+        </p:nvSpPr>
+        <p:spPr>
+          <a:xfrm>
+            <a:off x="391886" y="152210"/>
+            <a:ext cx="3195734" cy="1200329"/>
+          </a:xfrm>
+          <a:prstGeom prst="rect">
+            <a:avLst/>
+          </a:prstGeom>
+          <a:noFill/>
+          <a:ln>
+            <a:solidFill>
+              <a:schemeClr val="tx1"/>
+            </a:solidFill>
+          </a:ln>
+        </p:spPr>
+        <p:txBody>
+          <a:bodyPr wrap="square" rtlCol="0">
+            <a:spAutoFit/>
+          </a:bodyPr>
+          <a:lstStyle/>
+          <a:p>
+            <a:r>
+              <a:rPr lang="en-NZ" dirty="0"/>
+              <a:t>SOFTENG 364 Assignment 1</a:t>
+            </a:r>
+          </a:p>
+          <a:p>
+            <a:r>
+              <a:rPr lang="en-NZ" dirty="0"/>
+              <a:t>840454023, elee353</a:t>
+            </a:r>
+          </a:p>
+          <a:p>
+            <a:r>
+              <a:rPr lang="en-NZ" dirty="0"/>
+              <a:t>Task 1.</a:t>
+            </a:r>
+          </a:p>
+          <a:p>
+            <a:endParaRPr lang="en-NZ" dirty="0"/>
+          </a:p>
+        </p:txBody>
+      </p:sp>
+      <p:sp>
+        <p:nvSpPr>
+          <p:cNvPr id="7" name="TextBox 6"/>
+          <p:cNvSpPr txBox="1"/>
+          <p:nvPr/>
+        </p:nvSpPr>
+        <p:spPr>
+          <a:xfrm>
+            <a:off x="10261342" y="537430"/>
+            <a:ext cx="1751823" cy="646331"/>
+          </a:xfrm>
+          <a:prstGeom prst="rect">
+            <a:avLst/>
+          </a:prstGeom>
+          <a:noFill/>
+          <a:ln>
+            <a:solidFill>
+              <a:schemeClr val="tx1"/>
+            </a:solidFill>
+          </a:ln>
+        </p:spPr>
+        <p:txBody>
+          <a:bodyPr wrap="square" rtlCol="0">
+            <a:spAutoFit/>
+          </a:bodyPr>
+          <a:lstStyle/>
+          <a:p>
+            <a:r>
+              <a:rPr lang="en-NZ" dirty="0"/>
+              <a:t>216.168.252.157</a:t>
+            </a:r>
+          </a:p>
+          <a:p>
+            <a:r>
+              <a:rPr lang="en-NZ" dirty="0"/>
+              <a:t>(External Host)</a:t>
+            </a:r>
           </a:p>
         </p:txBody>
       </p:sp>
       <p:pic>
         <p:nvPicPr>
-          <p:cNvPr id="3" name="Picture 2" descr="Wlan Router Icon 128x128"/>
+          <p:cNvPr id="11" name="Picture 2" descr="https://www.iconexperience.com/_img/v_collection_png/512x512/shadow/wlan_router.png"/>
           <p:cNvPicPr>
             <a:picLocks noChangeAspect="1" noChangeArrowheads="1"/>
           </p:cNvPicPr>
           <p:nvPr/>
         </p:nvPicPr>
         <p:blipFill>
-          <a:blip r:embed="rId3">
+          <a:blip r:embed="rId4">
             <a:extLst>
               <a:ext uri="{28A0092B-C50C-407E-A947-70E740481C1C}">
                 <a14:useLocalDpi xmlns:a14="http://schemas.microsoft.com/office/drawing/2010/main" val="0"/>
@@ -3282,8 +3371,8 @@
         </p:blipFill>
         <p:spPr bwMode="auto">
           <a:xfrm>
-            <a:off x="10078616" y="2547151"/>
-            <a:ext cx="1751823" cy="1751823"/>
+            <a:off x="4806042" y="1737759"/>
+            <a:ext cx="900000" cy="900000"/>
           </a:xfrm>
           <a:prstGeom prst="rect">
             <a:avLst/>
@@ -3300,16 +3389,57 @@
           </a:extLst>
         </p:spPr>
       </p:pic>
-      <p:sp>
-        <p:nvSpPr>
-          <p:cNvPr id="9" name="TextBox 8"/>
+      <p:pic>
+        <p:nvPicPr>
+          <p:cNvPr id="1028" name="Picture 4" descr="https://www.iconexperience.com/_img/v_collection_png/512x512/shadow/server_ok.png"/>
+          <p:cNvPicPr>
+            <a:picLocks noChangeAspect="1" noChangeArrowheads="1"/>
+          </p:cNvPicPr>
+          <p:nvPr/>
+        </p:nvPicPr>
+        <p:blipFill>
+          <a:blip r:embed="rId5">
+            <a:extLst>
+              <a:ext uri="{28A0092B-C50C-407E-A947-70E740481C1C}">
+                <a14:useLocalDpi xmlns:a14="http://schemas.microsoft.com/office/drawing/2010/main" val="0"/>
+              </a:ext>
+            </a:extLst>
+          </a:blip>
+          <a:srcRect/>
+          <a:stretch>
+            <a:fillRect/>
+          </a:stretch>
+        </p:blipFill>
+        <p:spPr bwMode="auto">
+          <a:xfrm>
+            <a:off x="9110177" y="509786"/>
+            <a:ext cx="900000" cy="900000"/>
+          </a:xfrm>
+          <a:prstGeom prst="rect">
+            <a:avLst/>
+          </a:prstGeom>
+          <a:noFill/>
+          <a:extLst>
+            <a:ext uri="{909E8E84-426E-40DD-AFC4-6F175D3DCCD1}">
+              <a14:hiddenFill xmlns:a14="http://schemas.microsoft.com/office/drawing/2010/main">
+                <a:solidFill>
+                  <a:srgbClr val="FFFFFF"/>
+                </a:solidFill>
+              </a14:hiddenFill>
+            </a:ext>
+          </a:extLst>
+        </p:spPr>
+      </p:pic>
+      <p:sp>
+        <p:nvSpPr>
+          <p:cNvPr id="15" name="TextBox 14"/>
           <p:cNvSpPr txBox="1"/>
           <p:nvPr/>
         </p:nvSpPr>
         <p:spPr>
           <a:xfrm>
-            <a:off x="391886" y="152210"/>
-            <a:ext cx="3195734" cy="1200329"/>
+            <a:off x="10261342" y="4334232"/>
+            <a:ext cx="1751823" cy="646331"/>
           </a:xfrm>
           <a:prstGeom prst="rect">
             <a:avLst/>
@@ -3329,26 +3459,336 @@
           <a:p>
             <a:r>
               <a:rPr lang="en-NZ" dirty="0"/>
-              <a:t>SOFTENG 364 Assignment 1</a:t>
+              <a:t>107.21.109.41</a:t>
             </a:r>
           </a:p>
           <a:p>
             <a:r>
               <a:rPr lang="en-NZ" dirty="0"/>
-              <a:t>840454023, elee353</a:t>
-            </a:r>
-          </a:p>
+              <a:t>(External Host)</a:t>
+            </a:r>
+          </a:p>
+        </p:txBody>
+      </p:sp>
+      <p:sp>
+        <p:nvSpPr>
+          <p:cNvPr id="16" name="TextBox 15"/>
+          <p:cNvSpPr txBox="1"/>
+          <p:nvPr/>
+        </p:nvSpPr>
+        <p:spPr>
+          <a:xfrm>
+            <a:off x="10261342" y="2480277"/>
+            <a:ext cx="1751823" cy="646331"/>
+          </a:xfrm>
+          <a:prstGeom prst="rect">
+            <a:avLst/>
+          </a:prstGeom>
+          <a:noFill/>
+          <a:ln>
+            <a:solidFill>
+              <a:schemeClr val="tx1"/>
+            </a:solidFill>
+          </a:ln>
+        </p:spPr>
+        <p:txBody>
+          <a:bodyPr wrap="square" rtlCol="0">
+            <a:spAutoFit/>
+          </a:bodyPr>
+          <a:lstStyle/>
           <a:p>
             <a:r>
               <a:rPr lang="en-NZ" dirty="0"/>
-              <a:t>Task 1.</a:t>
-            </a:r>
-          </a:p>
-          <a:p>
-            <a:endParaRPr lang="en-NZ" dirty="0"/>
-          </a:p>
-        </p:txBody>
-      </p:sp>
+              <a:t>199.59.150.9</a:t>
+            </a:r>
+          </a:p>
+          <a:p>
+            <a:r>
+              <a:rPr lang="en-NZ" dirty="0"/>
+              <a:t>(External Host)</a:t>
+            </a:r>
+          </a:p>
+        </p:txBody>
+      </p:sp>
+      <p:pic>
+        <p:nvPicPr>
+          <p:cNvPr id="17" name="Picture 4" descr="https://www.iconexperience.com/_img/v_collection_png/512x512/shadow/server_ok.png"/>
+          <p:cNvPicPr>
+            <a:picLocks noChangeAspect="1" noChangeArrowheads="1"/>
+          </p:cNvPicPr>
+          <p:nvPr/>
+        </p:nvPicPr>
+        <p:blipFill>
+          <a:blip r:embed="rId5">
+            <a:extLst>
+              <a:ext uri="{28A0092B-C50C-407E-A947-70E740481C1C}">
+                <a14:useLocalDpi xmlns:a14="http://schemas.microsoft.com/office/drawing/2010/main" val="0"/>
+              </a:ext>
+            </a:extLst>
+          </a:blip>
+          <a:srcRect/>
+          <a:stretch>
+            <a:fillRect/>
+          </a:stretch>
+        </p:blipFill>
+        <p:spPr bwMode="auto">
+          <a:xfrm>
+            <a:off x="9110177" y="2459950"/>
+            <a:ext cx="900000" cy="900000"/>
+          </a:xfrm>
+          <a:prstGeom prst="rect">
+            <a:avLst/>
+          </a:prstGeom>
+          <a:noFill/>
+          <a:extLst>
+            <a:ext uri="{909E8E84-426E-40DD-AFC4-6F175D3DCCD1}">
+              <a14:hiddenFill xmlns:a14="http://schemas.microsoft.com/office/drawing/2010/main">
+                <a:solidFill>
+                  <a:srgbClr val="FFFFFF"/>
+                </a:solidFill>
+              </a14:hiddenFill>
+            </a:ext>
+          </a:extLst>
+        </p:spPr>
+      </p:pic>
+      <p:pic>
+        <p:nvPicPr>
+          <p:cNvPr id="18" name="Picture 4" descr="https://www.iconexperience.com/_img/v_collection_png/512x512/shadow/server_ok.png"/>
+          <p:cNvPicPr>
+            <a:picLocks noChangeAspect="1" noChangeArrowheads="1"/>
+          </p:cNvPicPr>
+          <p:nvPr/>
+        </p:nvPicPr>
+        <p:blipFill>
+          <a:blip r:embed="rId5">
+            <a:extLst>
+              <a:ext uri="{28A0092B-C50C-407E-A947-70E740481C1C}">
+                <a14:useLocalDpi xmlns:a14="http://schemas.microsoft.com/office/drawing/2010/main" val="0"/>
+              </a:ext>
+            </a:extLst>
+          </a:blip>
+          <a:srcRect/>
+          <a:stretch>
+            <a:fillRect/>
+          </a:stretch>
+        </p:blipFill>
+        <p:spPr bwMode="auto">
+          <a:xfrm>
+            <a:off x="9110177" y="4306588"/>
+            <a:ext cx="900000" cy="900000"/>
+          </a:xfrm>
+          <a:prstGeom prst="rect">
+            <a:avLst/>
+          </a:prstGeom>
+          <a:noFill/>
+          <a:extLst>
+            <a:ext uri="{909E8E84-426E-40DD-AFC4-6F175D3DCCD1}">
+              <a14:hiddenFill xmlns:a14="http://schemas.microsoft.com/office/drawing/2010/main">
+                <a:solidFill>
+                  <a:srgbClr val="FFFFFF"/>
+                </a:solidFill>
+              </a14:hiddenFill>
+            </a:ext>
+          </a:extLst>
+        </p:spPr>
+      </p:pic>
+      <p:cxnSp>
+        <p:nvCxnSpPr>
+          <p:cNvPr id="30" name="Straight Arrow Connector 29"/>
+          <p:cNvCxnSpPr>
+            <a:stCxn id="1026" idx="3"/>
+          </p:cNvCxnSpPr>
+          <p:nvPr/>
+        </p:nvCxnSpPr>
+        <p:spPr>
+          <a:xfrm>
+            <a:off x="3740394" y="2312358"/>
+            <a:ext cx="896920" cy="0"/>
+          </a:xfrm>
+          <a:prstGeom prst="straightConnector1">
+            <a:avLst/>
+          </a:prstGeom>
+          <a:ln>
+            <a:solidFill>
+              <a:schemeClr val="tx1"/>
+            </a:solidFill>
+            <a:headEnd type="triangle"/>
+            <a:tailEnd type="triangle"/>
+          </a:ln>
+        </p:spPr>
+        <p:style>
+          <a:lnRef idx="1">
+            <a:schemeClr val="accent1"/>
+          </a:lnRef>
+          <a:fillRef idx="0">
+            <a:schemeClr val="accent1"/>
+          </a:fillRef>
+          <a:effectRef idx="0">
+            <a:schemeClr val="accent1"/>
+          </a:effectRef>
+          <a:fontRef idx="minor">
+            <a:schemeClr val="tx1"/>
+          </a:fontRef>
+        </p:style>
+      </p:cxnSp>
+      <p:cxnSp>
+        <p:nvCxnSpPr>
+          <p:cNvPr id="32" name="Straight Arrow Connector 31"/>
+          <p:cNvCxnSpPr/>
+          <p:nvPr/>
+        </p:nvCxnSpPr>
+        <p:spPr>
+          <a:xfrm flipV="1">
+            <a:off x="3946849" y="2480277"/>
+            <a:ext cx="859193" cy="1205315"/>
+          </a:xfrm>
+          <a:prstGeom prst="straightConnector1">
+            <a:avLst/>
+          </a:prstGeom>
+          <a:ln>
+            <a:solidFill>
+              <a:schemeClr val="tx1"/>
+            </a:solidFill>
+            <a:headEnd type="triangle"/>
+            <a:tailEnd type="triangle"/>
+          </a:ln>
+        </p:spPr>
+        <p:style>
+          <a:lnRef idx="1">
+            <a:schemeClr val="accent1"/>
+          </a:lnRef>
+          <a:fillRef idx="0">
+            <a:schemeClr val="accent1"/>
+          </a:fillRef>
+          <a:effectRef idx="0">
+            <a:schemeClr val="accent1"/>
+          </a:effectRef>
+          <a:fontRef idx="minor">
+            <a:schemeClr val="tx1"/>
+          </a:fontRef>
+        </p:style>
+      </p:cxnSp>
+      <p:cxnSp>
+        <p:nvCxnSpPr>
+          <p:cNvPr id="10" name="Straight Connector 9"/>
+          <p:cNvCxnSpPr/>
+          <p:nvPr/>
+        </p:nvCxnSpPr>
+        <p:spPr>
+          <a:xfrm flipV="1">
+            <a:off x="6055567" y="1352539"/>
+            <a:ext cx="3054610" cy="959819"/>
+          </a:xfrm>
+          <a:prstGeom prst="line">
+            <a:avLst/>
+          </a:prstGeom>
+          <a:ln w="9525" cap="flat" cmpd="sng" algn="ctr">
+            <a:solidFill>
+              <a:schemeClr val="dk1"/>
+            </a:solidFill>
+            <a:prstDash val="dash"/>
+            <a:round/>
+            <a:headEnd type="none" w="med" len="med"/>
+            <a:tailEnd type="none" w="med" len="med"/>
+          </a:ln>
+        </p:spPr>
+        <p:style>
+          <a:lnRef idx="0">
+            <a:scrgbClr r="0" g="0" b="0"/>
+          </a:lnRef>
+          <a:fillRef idx="0">
+            <a:scrgbClr r="0" g="0" b="0"/>
+          </a:fillRef>
+          <a:effectRef idx="0">
+            <a:scrgbClr r="0" g="0" b="0"/>
+          </a:effectRef>
+          <a:fontRef idx="minor">
+            <a:schemeClr val="tx1"/>
+          </a:fontRef>
+        </p:style>
+      </p:cxnSp>
+      <p:cxnSp>
+        <p:nvCxnSpPr>
+          <p:cNvPr id="13" name="Straight Connector 12"/>
+          <p:cNvCxnSpPr>
+            <a:endCxn id="17" idx="1"/>
+          </p:cNvCxnSpPr>
+          <p:nvPr/>
+        </p:nvCxnSpPr>
+        <p:spPr>
+          <a:xfrm>
+            <a:off x="5954486" y="2480277"/>
+            <a:ext cx="3155691" cy="429673"/>
+          </a:xfrm>
+          <a:prstGeom prst="line">
+            <a:avLst/>
+          </a:prstGeom>
+          <a:ln w="9525" cap="flat" cmpd="sng" algn="ctr">
+            <a:solidFill>
+              <a:schemeClr val="dk1"/>
+            </a:solidFill>
+            <a:prstDash val="dash"/>
+            <a:round/>
+            <a:headEnd type="none" w="med" len="med"/>
+            <a:tailEnd type="none" w="med" len="med"/>
+          </a:ln>
+        </p:spPr>
+        <p:style>
+          <a:lnRef idx="0">
+            <a:scrgbClr r="0" g="0" b="0"/>
+          </a:lnRef>
+          <a:fillRef idx="0">
+            <a:scrgbClr r="0" g="0" b="0"/>
+          </a:fillRef>
+          <a:effectRef idx="0">
+            <a:scrgbClr r="0" g="0" b="0"/>
+          </a:effectRef>
+          <a:fontRef idx="minor">
+            <a:schemeClr val="tx1"/>
+          </a:fontRef>
+        </p:style>
+      </p:cxnSp>
+      <p:cxnSp>
+        <p:nvCxnSpPr>
+          <p:cNvPr id="19" name="Straight Connector 18"/>
+          <p:cNvCxnSpPr>
+            <a:endCxn id="18" idx="1"/>
+          </p:cNvCxnSpPr>
+          <p:nvPr/>
+        </p:nvCxnSpPr>
+        <p:spPr>
+          <a:xfrm>
+            <a:off x="5589037" y="2648267"/>
+            <a:ext cx="3521140" cy="2108321"/>
+          </a:xfrm>
+          <a:prstGeom prst="line">
+            <a:avLst/>
+          </a:prstGeom>
+          <a:ln w="9525" cap="flat" cmpd="sng" algn="ctr">
+            <a:solidFill>
+              <a:schemeClr val="dk1"/>
+            </a:solidFill>
+            <a:prstDash val="dash"/>
+            <a:round/>
+            <a:headEnd type="none" w="med" len="med"/>
+            <a:tailEnd type="none" w="med" len="med"/>
+          </a:ln>
+        </p:spPr>
+        <p:style>
+          <a:lnRef idx="0">
+            <a:scrgbClr r="0" g="0" b="0"/>
+          </a:lnRef>
+          <a:fillRef idx="0">
+            <a:scrgbClr r="0" g="0" b="0"/>
+          </a:fillRef>
+          <a:effectRef idx="0">
+            <a:scrgbClr r="0" g="0" b="0"/>
+          </a:effectRef>
+          <a:fontRef idx="minor">
+            <a:schemeClr val="tx1"/>
+          </a:fontRef>
+        </p:style>
+      </p:cxnSp>
     </p:spTree>
     <p:extLst>
       <p:ext uri="{BB962C8B-B14F-4D97-AF65-F5344CB8AC3E}">

--- a/task1_pcapng.pptx
+++ b/task1_pcapng.pptx
@@ -243,7 +243,7 @@
           <a:p>
             <a:fld id="{D16AA633-F3CA-4472-97BE-AF501E1D2B31}" type="datetimeFigureOut">
               <a:rPr lang="en-NZ" smtClean="0"/>
-              <a:t>27/04/2017</a:t>
+              <a:t>28/04/2017</a:t>
             </a:fld>
             <a:endParaRPr lang="en-NZ"/>
           </a:p>
@@ -413,7 +413,7 @@
           <a:p>
             <a:fld id="{D16AA633-F3CA-4472-97BE-AF501E1D2B31}" type="datetimeFigureOut">
               <a:rPr lang="en-NZ" smtClean="0"/>
-              <a:t>27/04/2017</a:t>
+              <a:t>28/04/2017</a:t>
             </a:fld>
             <a:endParaRPr lang="en-NZ"/>
           </a:p>
@@ -593,7 +593,7 @@
           <a:p>
             <a:fld id="{D16AA633-F3CA-4472-97BE-AF501E1D2B31}" type="datetimeFigureOut">
               <a:rPr lang="en-NZ" smtClean="0"/>
-              <a:t>27/04/2017</a:t>
+              <a:t>28/04/2017</a:t>
             </a:fld>
             <a:endParaRPr lang="en-NZ"/>
           </a:p>
@@ -763,7 +763,7 @@
           <a:p>
             <a:fld id="{D16AA633-F3CA-4472-97BE-AF501E1D2B31}" type="datetimeFigureOut">
               <a:rPr lang="en-NZ" smtClean="0"/>
-              <a:t>27/04/2017</a:t>
+              <a:t>28/04/2017</a:t>
             </a:fld>
             <a:endParaRPr lang="en-NZ"/>
           </a:p>
@@ -1009,7 +1009,7 @@
           <a:p>
             <a:fld id="{D16AA633-F3CA-4472-97BE-AF501E1D2B31}" type="datetimeFigureOut">
               <a:rPr lang="en-NZ" smtClean="0"/>
-              <a:t>27/04/2017</a:t>
+              <a:t>28/04/2017</a:t>
             </a:fld>
             <a:endParaRPr lang="en-NZ"/>
           </a:p>
@@ -1241,7 +1241,7 @@
           <a:p>
             <a:fld id="{D16AA633-F3CA-4472-97BE-AF501E1D2B31}" type="datetimeFigureOut">
               <a:rPr lang="en-NZ" smtClean="0"/>
-              <a:t>27/04/2017</a:t>
+              <a:t>28/04/2017</a:t>
             </a:fld>
             <a:endParaRPr lang="en-NZ"/>
           </a:p>
@@ -1608,7 +1608,7 @@
           <a:p>
             <a:fld id="{D16AA633-F3CA-4472-97BE-AF501E1D2B31}" type="datetimeFigureOut">
               <a:rPr lang="en-NZ" smtClean="0"/>
-              <a:t>27/04/2017</a:t>
+              <a:t>28/04/2017</a:t>
             </a:fld>
             <a:endParaRPr lang="en-NZ"/>
           </a:p>
@@ -1726,7 +1726,7 @@
           <a:p>
             <a:fld id="{D16AA633-F3CA-4472-97BE-AF501E1D2B31}" type="datetimeFigureOut">
               <a:rPr lang="en-NZ" smtClean="0"/>
-              <a:t>27/04/2017</a:t>
+              <a:t>28/04/2017</a:t>
             </a:fld>
             <a:endParaRPr lang="en-NZ"/>
           </a:p>
@@ -1821,7 +1821,7 @@
           <a:p>
             <a:fld id="{D16AA633-F3CA-4472-97BE-AF501E1D2B31}" type="datetimeFigureOut">
               <a:rPr lang="en-NZ" smtClean="0"/>
-              <a:t>27/04/2017</a:t>
+              <a:t>28/04/2017</a:t>
             </a:fld>
             <a:endParaRPr lang="en-NZ"/>
           </a:p>
@@ -2098,7 +2098,7 @@
           <a:p>
             <a:fld id="{D16AA633-F3CA-4472-97BE-AF501E1D2B31}" type="datetimeFigureOut">
               <a:rPr lang="en-NZ" smtClean="0"/>
-              <a:t>27/04/2017</a:t>
+              <a:t>28/04/2017</a:t>
             </a:fld>
             <a:endParaRPr lang="en-NZ"/>
           </a:p>
@@ -2351,7 +2351,7 @@
           <a:p>
             <a:fld id="{D16AA633-F3CA-4472-97BE-AF501E1D2B31}" type="datetimeFigureOut">
               <a:rPr lang="en-NZ" smtClean="0"/>
-              <a:t>27/04/2017</a:t>
+              <a:t>28/04/2017</a:t>
             </a:fld>
             <a:endParaRPr lang="en-NZ"/>
           </a:p>
@@ -2564,7 +2564,7 @@
           <a:p>
             <a:fld id="{D16AA633-F3CA-4472-97BE-AF501E1D2B31}" type="datetimeFigureOut">
               <a:rPr lang="en-NZ" smtClean="0"/>
-              <a:t>27/04/2017</a:t>
+              <a:t>28/04/2017</a:t>
             </a:fld>
             <a:endParaRPr lang="en-NZ"/>
           </a:p>
@@ -3222,7 +3222,7 @@
         <p:spPr>
           <a:xfrm>
             <a:off x="167174" y="5534561"/>
-            <a:ext cx="11663265" cy="1323439"/>
+            <a:ext cx="11663265" cy="400110"/>
           </a:xfrm>
           <a:prstGeom prst="rect">
             <a:avLst/>
@@ -3250,12 +3250,6 @@
               <a:t>www.iconexperience.com</a:t>
             </a:r>
             <a:endParaRPr lang="en-NZ" altLang="zh-TW" sz="2000" b="1" dirty="0"/>
-          </a:p>
-          <a:p>
-            <a:r>
-              <a:rPr lang="en-NZ" sz="2000" b="1" dirty="0"/>
-              <a:t>And http://ptgmedia.pearsoncmg.com/imprint_downloads/informit/learninglabs/9780134213736/graphics/31fig03.jpg</a:t>
-            </a:r>
           </a:p>
         </p:txBody>
       </p:sp>
@@ -3671,13 +3665,15 @@
       <p:cxnSp>
         <p:nvCxnSpPr>
           <p:cNvPr id="10" name="Straight Connector 9"/>
-          <p:cNvCxnSpPr/>
+          <p:cNvCxnSpPr>
+            <a:cxnSpLocks/>
+          </p:cNvCxnSpPr>
           <p:nvPr/>
         </p:nvCxnSpPr>
         <p:spPr>
           <a:xfrm flipV="1">
-            <a:off x="6055567" y="1352539"/>
-            <a:ext cx="3054610" cy="959819"/>
+            <a:off x="7268547" y="1352540"/>
+            <a:ext cx="1841630" cy="1611101"/>
           </a:xfrm>
           <a:prstGeom prst="line">
             <a:avLst/>
@@ -3711,14 +3707,15 @@
         <p:nvCxnSpPr>
           <p:cNvPr id="13" name="Straight Connector 12"/>
           <p:cNvCxnSpPr>
+            <a:cxnSpLocks/>
             <a:endCxn id="17" idx="1"/>
           </p:cNvCxnSpPr>
           <p:nvPr/>
         </p:nvCxnSpPr>
         <p:spPr>
-          <a:xfrm>
-            <a:off x="5954486" y="2480277"/>
-            <a:ext cx="3155691" cy="429673"/>
+          <a:xfrm flipV="1">
+            <a:off x="7502589" y="2909950"/>
+            <a:ext cx="1607588" cy="555820"/>
           </a:xfrm>
           <a:prstGeom prst="line">
             <a:avLst/>
@@ -3752,14 +3749,114 @@
         <p:nvCxnSpPr>
           <p:cNvPr id="19" name="Straight Connector 18"/>
           <p:cNvCxnSpPr>
+            <a:cxnSpLocks/>
             <a:endCxn id="18" idx="1"/>
           </p:cNvCxnSpPr>
           <p:nvPr/>
         </p:nvCxnSpPr>
         <p:spPr>
           <a:xfrm>
-            <a:off x="5589037" y="2648267"/>
-            <a:ext cx="3521140" cy="2108321"/>
+            <a:off x="7156580" y="4019734"/>
+            <a:ext cx="1953597" cy="736854"/>
+          </a:xfrm>
+          <a:prstGeom prst="line">
+            <a:avLst/>
+          </a:prstGeom>
+          <a:ln w="9525" cap="flat" cmpd="sng" algn="ctr">
+            <a:solidFill>
+              <a:schemeClr val="dk1"/>
+            </a:solidFill>
+            <a:prstDash val="dash"/>
+            <a:round/>
+            <a:headEnd type="none" w="med" len="med"/>
+            <a:tailEnd type="none" w="med" len="med"/>
+          </a:ln>
+        </p:spPr>
+        <p:style>
+          <a:lnRef idx="0">
+            <a:scrgbClr r="0" g="0" b="0"/>
+          </a:lnRef>
+          <a:fillRef idx="0">
+            <a:scrgbClr r="0" g="0" b="0"/>
+          </a:fillRef>
+          <a:effectRef idx="0">
+            <a:scrgbClr r="0" g="0" b="0"/>
+          </a:effectRef>
+          <a:fontRef idx="minor">
+            <a:schemeClr val="tx1"/>
+          </a:fontRef>
+        </p:style>
+      </p:cxnSp>
+      <p:sp>
+        <p:nvSpPr>
+          <p:cNvPr id="3" name="Cloud 2"/>
+          <p:cNvSpPr/>
+          <p:nvPr/>
+        </p:nvSpPr>
+        <p:spPr>
+          <a:xfrm>
+            <a:off x="5026285" y="2972722"/>
+            <a:ext cx="2323322" cy="1147665"/>
+          </a:xfrm>
+          <a:prstGeom prst="cloud">
+            <a:avLst/>
+          </a:prstGeom>
+          <a:solidFill>
+            <a:schemeClr val="accent5">
+              <a:lumMod val="60000"/>
+              <a:lumOff val="40000"/>
+            </a:schemeClr>
+          </a:solidFill>
+          <a:ln>
+            <a:solidFill>
+              <a:schemeClr val="tx1"/>
+            </a:solidFill>
+          </a:ln>
+        </p:spPr>
+        <p:style>
+          <a:lnRef idx="2">
+            <a:schemeClr val="accent1">
+              <a:shade val="50000"/>
+            </a:schemeClr>
+          </a:lnRef>
+          <a:fillRef idx="1">
+            <a:schemeClr val="accent1"/>
+          </a:fillRef>
+          <a:effectRef idx="0">
+            <a:schemeClr val="accent1"/>
+          </a:effectRef>
+          <a:fontRef idx="minor">
+            <a:schemeClr val="lt1"/>
+          </a:fontRef>
+        </p:style>
+        <p:txBody>
+          <a:bodyPr rtlCol="0" anchor="ctr"/>
+          <a:lstStyle/>
+          <a:p>
+            <a:pPr algn="ctr"/>
+            <a:r>
+              <a:rPr lang="en-NZ" b="1" dirty="0">
+                <a:solidFill>
+                  <a:schemeClr val="tx1"/>
+                </a:solidFill>
+              </a:rPr>
+              <a:t>Internet</a:t>
+            </a:r>
+          </a:p>
+        </p:txBody>
+      </p:sp>
+      <p:cxnSp>
+        <p:nvCxnSpPr>
+          <p:cNvPr id="26" name="Straight Connector 25"/>
+          <p:cNvCxnSpPr>
+            <a:cxnSpLocks/>
+          </p:cNvCxnSpPr>
+          <p:nvPr/>
+        </p:nvCxnSpPr>
+        <p:spPr>
+          <a:xfrm>
+            <a:off x="5702962" y="2471697"/>
+            <a:ext cx="171808" cy="438253"/>
           </a:xfrm>
           <a:prstGeom prst="line">
             <a:avLst/>

--- a/task1_pcapng.pptx
+++ b/task1_pcapng.pptx
@@ -243,7 +243,7 @@
           <a:p>
             <a:fld id="{D16AA633-F3CA-4472-97BE-AF501E1D2B31}" type="datetimeFigureOut">
               <a:rPr lang="en-NZ" smtClean="0"/>
-              <a:t>28/04/2017</a:t>
+              <a:t>29/04/2017</a:t>
             </a:fld>
             <a:endParaRPr lang="en-NZ"/>
           </a:p>
@@ -413,7 +413,7 @@
           <a:p>
             <a:fld id="{D16AA633-F3CA-4472-97BE-AF501E1D2B31}" type="datetimeFigureOut">
               <a:rPr lang="en-NZ" smtClean="0"/>
-              <a:t>28/04/2017</a:t>
+              <a:t>29/04/2017</a:t>
             </a:fld>
             <a:endParaRPr lang="en-NZ"/>
           </a:p>
@@ -593,7 +593,7 @@
           <a:p>
             <a:fld id="{D16AA633-F3CA-4472-97BE-AF501E1D2B31}" type="datetimeFigureOut">
               <a:rPr lang="en-NZ" smtClean="0"/>
-              <a:t>28/04/2017</a:t>
+              <a:t>29/04/2017</a:t>
             </a:fld>
             <a:endParaRPr lang="en-NZ"/>
           </a:p>
@@ -763,7 +763,7 @@
           <a:p>
             <a:fld id="{D16AA633-F3CA-4472-97BE-AF501E1D2B31}" type="datetimeFigureOut">
               <a:rPr lang="en-NZ" smtClean="0"/>
-              <a:t>28/04/2017</a:t>
+              <a:t>29/04/2017</a:t>
             </a:fld>
             <a:endParaRPr lang="en-NZ"/>
           </a:p>
@@ -1009,7 +1009,7 @@
           <a:p>
             <a:fld id="{D16AA633-F3CA-4472-97BE-AF501E1D2B31}" type="datetimeFigureOut">
               <a:rPr lang="en-NZ" smtClean="0"/>
-              <a:t>28/04/2017</a:t>
+              <a:t>29/04/2017</a:t>
             </a:fld>
             <a:endParaRPr lang="en-NZ"/>
           </a:p>
@@ -1241,7 +1241,7 @@
           <a:p>
             <a:fld id="{D16AA633-F3CA-4472-97BE-AF501E1D2B31}" type="datetimeFigureOut">
               <a:rPr lang="en-NZ" smtClean="0"/>
-              <a:t>28/04/2017</a:t>
+              <a:t>29/04/2017</a:t>
             </a:fld>
             <a:endParaRPr lang="en-NZ"/>
           </a:p>
@@ -1608,7 +1608,7 @@
           <a:p>
             <a:fld id="{D16AA633-F3CA-4472-97BE-AF501E1D2B31}" type="datetimeFigureOut">
               <a:rPr lang="en-NZ" smtClean="0"/>
-              <a:t>28/04/2017</a:t>
+              <a:t>29/04/2017</a:t>
             </a:fld>
             <a:endParaRPr lang="en-NZ"/>
           </a:p>
@@ -1726,7 +1726,7 @@
           <a:p>
             <a:fld id="{D16AA633-F3CA-4472-97BE-AF501E1D2B31}" type="datetimeFigureOut">
               <a:rPr lang="en-NZ" smtClean="0"/>
-              <a:t>28/04/2017</a:t>
+              <a:t>29/04/2017</a:t>
             </a:fld>
             <a:endParaRPr lang="en-NZ"/>
           </a:p>
@@ -1821,7 +1821,7 @@
           <a:p>
             <a:fld id="{D16AA633-F3CA-4472-97BE-AF501E1D2B31}" type="datetimeFigureOut">
               <a:rPr lang="en-NZ" smtClean="0"/>
-              <a:t>28/04/2017</a:t>
+              <a:t>29/04/2017</a:t>
             </a:fld>
             <a:endParaRPr lang="en-NZ"/>
           </a:p>
@@ -2098,7 +2098,7 @@
           <a:p>
             <a:fld id="{D16AA633-F3CA-4472-97BE-AF501E1D2B31}" type="datetimeFigureOut">
               <a:rPr lang="en-NZ" smtClean="0"/>
-              <a:t>28/04/2017</a:t>
+              <a:t>29/04/2017</a:t>
             </a:fld>
             <a:endParaRPr lang="en-NZ"/>
           </a:p>
@@ -2351,7 +2351,7 @@
           <a:p>
             <a:fld id="{D16AA633-F3CA-4472-97BE-AF501E1D2B31}" type="datetimeFigureOut">
               <a:rPr lang="en-NZ" smtClean="0"/>
-              <a:t>28/04/2017</a:t>
+              <a:t>29/04/2017</a:t>
             </a:fld>
             <a:endParaRPr lang="en-NZ"/>
           </a:p>
@@ -2564,7 +2564,7 @@
           <a:p>
             <a:fld id="{D16AA633-F3CA-4472-97BE-AF501E1D2B31}" type="datetimeFigureOut">
               <a:rPr lang="en-NZ" smtClean="0"/>
-              <a:t>28/04/2017</a:t>
+              <a:t>29/04/2017</a:t>
             </a:fld>
             <a:endParaRPr lang="en-NZ"/>
           </a:p>
@@ -3293,7 +3293,7 @@
           </a:p>
           <a:p>
             <a:r>
-              <a:rPr lang="en-NZ" dirty="0"/>
+              <a:rPr lang="en-NZ" u="sng" dirty="0"/>
               <a:t>Task 1.</a:t>
             </a:r>
           </a:p>
